--- a/assets/downloads/ieeevr-2023-template-blue.pptx
+++ b/assets/downloads/ieeevr-2023-template-blue.pptx
@@ -224,7 +224,7 @@
           <a:p>
             <a:fld id="{F16B558E-19AF-4C4F-B204-E033384A98D3}" type="datetimeFigureOut">
               <a:rPr lang="en-CN" smtClean="0"/>
-              <a:t>2023/3/8</a:t>
+              <a:t>2023/3/9</a:t>
             </a:fld>
             <a:endParaRPr lang="en-CN"/>
           </a:p>
@@ -480,7 +480,7 @@
           <a:p>
             <a:fld id="{8EA6E1DD-C589-44A4-B774-5C71ED738215}" type="datetimeFigureOut">
               <a:rPr lang="zh-CN" altLang="en-US" smtClean="0"/>
-              <a:t>2023/3/8</a:t>
+              <a:t>2023/3/9</a:t>
             </a:fld>
             <a:endParaRPr lang="zh-CN" altLang="en-US"/>
           </a:p>
@@ -556,20 +556,6 @@
 <file path=ppt/slideLayouts/slideLayout10.xml><?xml version="1.0" encoding="utf-8"?>
 <p:sldLayout xmlns:a="http://schemas.openxmlformats.org/drawingml/2006/main" xmlns:r="http://schemas.openxmlformats.org/officeDocument/2006/relationships" xmlns:p="http://schemas.openxmlformats.org/presentationml/2006/main" type="vertTx" preserve="1">
   <p:cSld name="标题和竖排文字">
-    <p:bg>
-      <p:bgPr>
-        <a:blipFill dpi="0" rotWithShape="1">
-          <a:blip r:embed="rId2">
-            <a:lum/>
-          </a:blip>
-          <a:srcRect/>
-          <a:stretch>
-            <a:fillRect/>
-          </a:stretch>
-        </a:blipFill>
-        <a:effectLst/>
-      </p:bgPr>
-    </p:bg>
     <p:spTree>
       <p:nvGrpSpPr>
         <p:cNvPr id="1" name=""/>
@@ -692,7 +678,7 @@
           <a:p>
             <a:fld id="{8EA6E1DD-C589-44A4-B774-5C71ED738215}" type="datetimeFigureOut">
               <a:rPr lang="zh-CN" altLang="en-US" smtClean="0"/>
-              <a:t>2023/3/8</a:t>
+              <a:t>2023/3/9</a:t>
             </a:fld>
             <a:endParaRPr lang="zh-CN" altLang="en-US"/>
           </a:p>
@@ -768,20 +754,6 @@
 <file path=ppt/slideLayouts/slideLayout11.xml><?xml version="1.0" encoding="utf-8"?>
 <p:sldLayout xmlns:a="http://schemas.openxmlformats.org/drawingml/2006/main" xmlns:r="http://schemas.openxmlformats.org/officeDocument/2006/relationships" xmlns:p="http://schemas.openxmlformats.org/presentationml/2006/main" type="vertTitleAndTx" preserve="1">
   <p:cSld name="竖排标题与文本">
-    <p:bg>
-      <p:bgPr>
-        <a:blipFill dpi="0" rotWithShape="1">
-          <a:blip r:embed="rId2">
-            <a:lum/>
-          </a:blip>
-          <a:srcRect/>
-          <a:stretch>
-            <a:fillRect/>
-          </a:stretch>
-        </a:blipFill>
-        <a:effectLst/>
-      </p:bgPr>
-    </p:bg>
     <p:spTree>
       <p:nvGrpSpPr>
         <p:cNvPr id="1" name=""/>
@@ -914,7 +886,7 @@
           <a:p>
             <a:fld id="{8EA6E1DD-C589-44A4-B774-5C71ED738215}" type="datetimeFigureOut">
               <a:rPr lang="zh-CN" altLang="en-US" smtClean="0"/>
-              <a:t>2023/3/8</a:t>
+              <a:t>2023/3/9</a:t>
             </a:fld>
             <a:endParaRPr lang="zh-CN" altLang="en-US"/>
           </a:p>
@@ -990,20 +962,6 @@
 <file path=ppt/slideLayouts/slideLayout2.xml><?xml version="1.0" encoding="utf-8"?>
 <p:sldLayout xmlns:a="http://schemas.openxmlformats.org/drawingml/2006/main" xmlns:r="http://schemas.openxmlformats.org/officeDocument/2006/relationships" xmlns:p="http://schemas.openxmlformats.org/presentationml/2006/main" type="obj" preserve="1">
   <p:cSld name="标题和内容">
-    <p:bg>
-      <p:bgPr>
-        <a:blipFill dpi="0" rotWithShape="1">
-          <a:blip r:embed="rId2">
-            <a:lum/>
-          </a:blip>
-          <a:srcRect/>
-          <a:stretch>
-            <a:fillRect/>
-          </a:stretch>
-        </a:blipFill>
-        <a:effectLst/>
-      </p:bgPr>
-    </p:bg>
     <p:spTree>
       <p:nvGrpSpPr>
         <p:cNvPr id="1" name=""/>
@@ -1126,7 +1084,7 @@
           <a:p>
             <a:fld id="{8EA6E1DD-C589-44A4-B774-5C71ED738215}" type="datetimeFigureOut">
               <a:rPr lang="zh-CN" altLang="en-US" smtClean="0"/>
-              <a:t>2023/3/8</a:t>
+              <a:t>2023/3/9</a:t>
             </a:fld>
             <a:endParaRPr lang="zh-CN" altLang="en-US"/>
           </a:p>
@@ -1202,20 +1160,6 @@
 <file path=ppt/slideLayouts/slideLayout3.xml><?xml version="1.0" encoding="utf-8"?>
 <p:sldLayout xmlns:a="http://schemas.openxmlformats.org/drawingml/2006/main" xmlns:r="http://schemas.openxmlformats.org/officeDocument/2006/relationships" xmlns:p="http://schemas.openxmlformats.org/presentationml/2006/main" type="secHead" preserve="1">
   <p:cSld name="节标题">
-    <p:bg>
-      <p:bgPr>
-        <a:blipFill dpi="0" rotWithShape="1">
-          <a:blip r:embed="rId2">
-            <a:lum/>
-          </a:blip>
-          <a:srcRect/>
-          <a:stretch>
-            <a:fillRect/>
-          </a:stretch>
-        </a:blipFill>
-        <a:effectLst/>
-      </p:bgPr>
-    </p:bg>
     <p:spTree>
       <p:nvGrpSpPr>
         <p:cNvPr id="1" name=""/>
@@ -1415,7 +1359,7 @@
           <a:p>
             <a:fld id="{8EA6E1DD-C589-44A4-B774-5C71ED738215}" type="datetimeFigureOut">
               <a:rPr lang="zh-CN" altLang="en-US" smtClean="0"/>
-              <a:t>2023/3/8</a:t>
+              <a:t>2023/3/9</a:t>
             </a:fld>
             <a:endParaRPr lang="zh-CN" altLang="en-US"/>
           </a:p>
@@ -1491,20 +1435,6 @@
 <file path=ppt/slideLayouts/slideLayout4.xml><?xml version="1.0" encoding="utf-8"?>
 <p:sldLayout xmlns:a="http://schemas.openxmlformats.org/drawingml/2006/main" xmlns:r="http://schemas.openxmlformats.org/officeDocument/2006/relationships" xmlns:p="http://schemas.openxmlformats.org/presentationml/2006/main" type="twoObj" preserve="1">
   <p:cSld name="两栏内容">
-    <p:bg>
-      <p:bgPr>
-        <a:blipFill dpi="0" rotWithShape="1">
-          <a:blip r:embed="rId2">
-            <a:lum/>
-          </a:blip>
-          <a:srcRect/>
-          <a:stretch>
-            <a:fillRect/>
-          </a:stretch>
-        </a:blipFill>
-        <a:effectLst/>
-      </p:bgPr>
-    </p:bg>
     <p:spTree>
       <p:nvGrpSpPr>
         <p:cNvPr id="1" name=""/>
@@ -1694,7 +1624,7 @@
           <a:p>
             <a:fld id="{8EA6E1DD-C589-44A4-B774-5C71ED738215}" type="datetimeFigureOut">
               <a:rPr lang="zh-CN" altLang="en-US" smtClean="0"/>
-              <a:t>2023/3/8</a:t>
+              <a:t>2023/3/9</a:t>
             </a:fld>
             <a:endParaRPr lang="zh-CN" altLang="en-US"/>
           </a:p>
@@ -1770,20 +1700,6 @@
 <file path=ppt/slideLayouts/slideLayout5.xml><?xml version="1.0" encoding="utf-8"?>
 <p:sldLayout xmlns:a="http://schemas.openxmlformats.org/drawingml/2006/main" xmlns:r="http://schemas.openxmlformats.org/officeDocument/2006/relationships" xmlns:p="http://schemas.openxmlformats.org/presentationml/2006/main" type="twoTxTwoObj" preserve="1">
   <p:cSld name="比较">
-    <p:bg>
-      <p:bgPr>
-        <a:blipFill dpi="0" rotWithShape="1">
-          <a:blip r:embed="rId2">
-            <a:lum/>
-          </a:blip>
-          <a:srcRect/>
-          <a:stretch>
-            <a:fillRect/>
-          </a:stretch>
-        </a:blipFill>
-        <a:effectLst/>
-      </p:bgPr>
-    </p:bg>
     <p:spTree>
       <p:nvGrpSpPr>
         <p:cNvPr id="1" name=""/>
@@ -2120,7 +2036,7 @@
           <a:p>
             <a:fld id="{8EA6E1DD-C589-44A4-B774-5C71ED738215}" type="datetimeFigureOut">
               <a:rPr lang="zh-CN" altLang="en-US" smtClean="0"/>
-              <a:t>2023/3/8</a:t>
+              <a:t>2023/3/9</a:t>
             </a:fld>
             <a:endParaRPr lang="zh-CN" altLang="en-US"/>
           </a:p>
@@ -2196,20 +2112,6 @@
 <file path=ppt/slideLayouts/slideLayout6.xml><?xml version="1.0" encoding="utf-8"?>
 <p:sldLayout xmlns:a="http://schemas.openxmlformats.org/drawingml/2006/main" xmlns:r="http://schemas.openxmlformats.org/officeDocument/2006/relationships" xmlns:p="http://schemas.openxmlformats.org/presentationml/2006/main" type="titleOnly" preserve="1">
   <p:cSld name="仅标题">
-    <p:bg>
-      <p:bgPr>
-        <a:blipFill dpi="0" rotWithShape="1">
-          <a:blip r:embed="rId2">
-            <a:lum/>
-          </a:blip>
-          <a:srcRect/>
-          <a:stretch>
-            <a:fillRect/>
-          </a:stretch>
-        </a:blipFill>
-        <a:effectLst/>
-      </p:bgPr>
-    </p:bg>
     <p:spTree>
       <p:nvGrpSpPr>
         <p:cNvPr id="1" name=""/>
@@ -2275,7 +2177,7 @@
           <a:p>
             <a:fld id="{8EA6E1DD-C589-44A4-B774-5C71ED738215}" type="datetimeFigureOut">
               <a:rPr lang="zh-CN" altLang="en-US" smtClean="0"/>
-              <a:t>2023/3/8</a:t>
+              <a:t>2023/3/9</a:t>
             </a:fld>
             <a:endParaRPr lang="zh-CN" altLang="en-US"/>
           </a:p>
@@ -2351,20 +2253,6 @@
 <file path=ppt/slideLayouts/slideLayout7.xml><?xml version="1.0" encoding="utf-8"?>
 <p:sldLayout xmlns:a="http://schemas.openxmlformats.org/drawingml/2006/main" xmlns:r="http://schemas.openxmlformats.org/officeDocument/2006/relationships" xmlns:p="http://schemas.openxmlformats.org/presentationml/2006/main" type="blank" preserve="1">
   <p:cSld name="空白">
-    <p:bg>
-      <p:bgPr>
-        <a:blipFill dpi="0" rotWithShape="1">
-          <a:blip r:embed="rId2">
-            <a:lum/>
-          </a:blip>
-          <a:srcRect/>
-          <a:stretch>
-            <a:fillRect/>
-          </a:stretch>
-        </a:blipFill>
-        <a:effectLst/>
-      </p:bgPr>
-    </p:bg>
     <p:spTree>
       <p:nvGrpSpPr>
         <p:cNvPr id="1" name=""/>
@@ -2402,7 +2290,7 @@
           <a:p>
             <a:fld id="{8EA6E1DD-C589-44A4-B774-5C71ED738215}" type="datetimeFigureOut">
               <a:rPr lang="zh-CN" altLang="en-US" smtClean="0"/>
-              <a:t>2023/3/8</a:t>
+              <a:t>2023/3/9</a:t>
             </a:fld>
             <a:endParaRPr lang="zh-CN" altLang="en-US"/>
           </a:p>
@@ -2478,20 +2366,6 @@
 <file path=ppt/slideLayouts/slideLayout8.xml><?xml version="1.0" encoding="utf-8"?>
 <p:sldLayout xmlns:a="http://schemas.openxmlformats.org/drawingml/2006/main" xmlns:r="http://schemas.openxmlformats.org/officeDocument/2006/relationships" xmlns:p="http://schemas.openxmlformats.org/presentationml/2006/main" type="objTx" preserve="1">
   <p:cSld name="内容与标题">
-    <p:bg>
-      <p:bgPr>
-        <a:blipFill dpi="0" rotWithShape="1">
-          <a:blip r:embed="rId2">
-            <a:lum/>
-          </a:blip>
-          <a:srcRect/>
-          <a:stretch>
-            <a:fillRect/>
-          </a:stretch>
-        </a:blipFill>
-        <a:effectLst/>
-      </p:bgPr>
-    </p:bg>
     <p:spTree>
       <p:nvGrpSpPr>
         <p:cNvPr id="1" name=""/>
@@ -2727,7 +2601,7 @@
           <a:p>
             <a:fld id="{8EA6E1DD-C589-44A4-B774-5C71ED738215}" type="datetimeFigureOut">
               <a:rPr lang="zh-CN" altLang="en-US" smtClean="0"/>
-              <a:t>2023/3/8</a:t>
+              <a:t>2023/3/9</a:t>
             </a:fld>
             <a:endParaRPr lang="zh-CN" altLang="en-US"/>
           </a:p>
@@ -2803,20 +2677,6 @@
 <file path=ppt/slideLayouts/slideLayout9.xml><?xml version="1.0" encoding="utf-8"?>
 <p:sldLayout xmlns:a="http://schemas.openxmlformats.org/drawingml/2006/main" xmlns:r="http://schemas.openxmlformats.org/officeDocument/2006/relationships" xmlns:p="http://schemas.openxmlformats.org/presentationml/2006/main" type="picTx" preserve="1">
   <p:cSld name="图片与标题">
-    <p:bg>
-      <p:bgPr>
-        <a:blipFill dpi="0" rotWithShape="1">
-          <a:blip r:embed="rId2">
-            <a:lum/>
-          </a:blip>
-          <a:srcRect/>
-          <a:stretch>
-            <a:fillRect/>
-          </a:stretch>
-        </a:blipFill>
-        <a:effectLst/>
-      </p:bgPr>
-    </p:bg>
     <p:spTree>
       <p:nvGrpSpPr>
         <p:cNvPr id="1" name=""/>
@@ -3029,7 +2889,7 @@
           <a:p>
             <a:fld id="{8EA6E1DD-C589-44A4-B774-5C71ED738215}" type="datetimeFigureOut">
               <a:rPr lang="zh-CN" altLang="en-US" smtClean="0"/>
-              <a:t>2023/3/8</a:t>
+              <a:t>2023/3/9</a:t>
             </a:fld>
             <a:endParaRPr lang="zh-CN" altLang="en-US"/>
           </a:p>
@@ -3279,7 +3139,7 @@
           <a:p>
             <a:fld id="{8EA6E1DD-C589-44A4-B774-5C71ED738215}" type="datetimeFigureOut">
               <a:rPr lang="zh-CN" altLang="en-US" smtClean="0"/>
-              <a:t>2023/3/8</a:t>
+              <a:t>2023/3/9</a:t>
             </a:fld>
             <a:endParaRPr lang="zh-CN" altLang="en-US"/>
           </a:p>
@@ -3682,20 +3542,6 @@
 <file path=ppt/slides/slide1.xml><?xml version="1.0" encoding="utf-8"?>
 <p:sld xmlns:a="http://schemas.openxmlformats.org/drawingml/2006/main" xmlns:r="http://schemas.openxmlformats.org/officeDocument/2006/relationships" xmlns:p="http://schemas.openxmlformats.org/presentationml/2006/main">
   <p:cSld>
-    <p:bg>
-      <p:bgPr>
-        <a:blipFill dpi="0" rotWithShape="1">
-          <a:blip r:embed="rId2">
-            <a:lum/>
-          </a:blip>
-          <a:srcRect/>
-          <a:stretch>
-            <a:fillRect/>
-          </a:stretch>
-        </a:blipFill>
-        <a:effectLst/>
-      </p:bgPr>
-    </p:bg>
     <p:spTree>
       <p:nvGrpSpPr>
         <p:cNvPr id="1" name=""/>
@@ -4045,20 +3891,6 @@
 <file path=ppt/slides/slide2.xml><?xml version="1.0" encoding="utf-8"?>
 <p:sld xmlns:a="http://schemas.openxmlformats.org/drawingml/2006/main" xmlns:r="http://schemas.openxmlformats.org/officeDocument/2006/relationships" xmlns:p="http://schemas.openxmlformats.org/presentationml/2006/main">
   <p:cSld>
-    <p:bg>
-      <p:bgPr>
-        <a:blipFill dpi="0" rotWithShape="1">
-          <a:blip r:embed="rId2">
-            <a:lum/>
-          </a:blip>
-          <a:srcRect/>
-          <a:stretch>
-            <a:fillRect/>
-          </a:stretch>
-        </a:blipFill>
-        <a:effectLst/>
-      </p:bgPr>
-    </p:bg>
     <p:spTree>
       <p:nvGrpSpPr>
         <p:cNvPr id="1" name=""/>

--- a/assets/downloads/ieeevr-2023-template-blue.pptx
+++ b/assets/downloads/ieeevr-2023-template-blue.pptx
@@ -224,7 +224,7 @@
           <a:p>
             <a:fld id="{F16B558E-19AF-4C4F-B204-E033384A98D3}" type="datetimeFigureOut">
               <a:rPr lang="en-CN" smtClean="0"/>
-              <a:t>2023/3/9</a:t>
+              <a:t>2023/3/14</a:t>
             </a:fld>
             <a:endParaRPr lang="en-CN"/>
           </a:p>
@@ -480,7 +480,7 @@
           <a:p>
             <a:fld id="{8EA6E1DD-C589-44A4-B774-5C71ED738215}" type="datetimeFigureOut">
               <a:rPr lang="zh-CN" altLang="en-US" smtClean="0"/>
-              <a:t>2023/3/9</a:t>
+              <a:t>2023/3/14</a:t>
             </a:fld>
             <a:endParaRPr lang="zh-CN" altLang="en-US"/>
           </a:p>
@@ -678,7 +678,7 @@
           <a:p>
             <a:fld id="{8EA6E1DD-C589-44A4-B774-5C71ED738215}" type="datetimeFigureOut">
               <a:rPr lang="zh-CN" altLang="en-US" smtClean="0"/>
-              <a:t>2023/3/9</a:t>
+              <a:t>2023/3/14</a:t>
             </a:fld>
             <a:endParaRPr lang="zh-CN" altLang="en-US"/>
           </a:p>
@@ -886,7 +886,7 @@
           <a:p>
             <a:fld id="{8EA6E1DD-C589-44A4-B774-5C71ED738215}" type="datetimeFigureOut">
               <a:rPr lang="zh-CN" altLang="en-US" smtClean="0"/>
-              <a:t>2023/3/9</a:t>
+              <a:t>2023/3/14</a:t>
             </a:fld>
             <a:endParaRPr lang="zh-CN" altLang="en-US"/>
           </a:p>
@@ -1084,7 +1084,7 @@
           <a:p>
             <a:fld id="{8EA6E1DD-C589-44A4-B774-5C71ED738215}" type="datetimeFigureOut">
               <a:rPr lang="zh-CN" altLang="en-US" smtClean="0"/>
-              <a:t>2023/3/9</a:t>
+              <a:t>2023/3/14</a:t>
             </a:fld>
             <a:endParaRPr lang="zh-CN" altLang="en-US"/>
           </a:p>
@@ -1359,7 +1359,7 @@
           <a:p>
             <a:fld id="{8EA6E1DD-C589-44A4-B774-5C71ED738215}" type="datetimeFigureOut">
               <a:rPr lang="zh-CN" altLang="en-US" smtClean="0"/>
-              <a:t>2023/3/9</a:t>
+              <a:t>2023/3/14</a:t>
             </a:fld>
             <a:endParaRPr lang="zh-CN" altLang="en-US"/>
           </a:p>
@@ -1624,7 +1624,7 @@
           <a:p>
             <a:fld id="{8EA6E1DD-C589-44A4-B774-5C71ED738215}" type="datetimeFigureOut">
               <a:rPr lang="zh-CN" altLang="en-US" smtClean="0"/>
-              <a:t>2023/3/9</a:t>
+              <a:t>2023/3/14</a:t>
             </a:fld>
             <a:endParaRPr lang="zh-CN" altLang="en-US"/>
           </a:p>
@@ -2036,7 +2036,7 @@
           <a:p>
             <a:fld id="{8EA6E1DD-C589-44A4-B774-5C71ED738215}" type="datetimeFigureOut">
               <a:rPr lang="zh-CN" altLang="en-US" smtClean="0"/>
-              <a:t>2023/3/9</a:t>
+              <a:t>2023/3/14</a:t>
             </a:fld>
             <a:endParaRPr lang="zh-CN" altLang="en-US"/>
           </a:p>
@@ -2177,7 +2177,7 @@
           <a:p>
             <a:fld id="{8EA6E1DD-C589-44A4-B774-5C71ED738215}" type="datetimeFigureOut">
               <a:rPr lang="zh-CN" altLang="en-US" smtClean="0"/>
-              <a:t>2023/3/9</a:t>
+              <a:t>2023/3/14</a:t>
             </a:fld>
             <a:endParaRPr lang="zh-CN" altLang="en-US"/>
           </a:p>
@@ -2290,7 +2290,7 @@
           <a:p>
             <a:fld id="{8EA6E1DD-C589-44A4-B774-5C71ED738215}" type="datetimeFigureOut">
               <a:rPr lang="zh-CN" altLang="en-US" smtClean="0"/>
-              <a:t>2023/3/9</a:t>
+              <a:t>2023/3/14</a:t>
             </a:fld>
             <a:endParaRPr lang="zh-CN" altLang="en-US"/>
           </a:p>
@@ -2601,7 +2601,7 @@
           <a:p>
             <a:fld id="{8EA6E1DD-C589-44A4-B774-5C71ED738215}" type="datetimeFigureOut">
               <a:rPr lang="zh-CN" altLang="en-US" smtClean="0"/>
-              <a:t>2023/3/9</a:t>
+              <a:t>2023/3/14</a:t>
             </a:fld>
             <a:endParaRPr lang="zh-CN" altLang="en-US"/>
           </a:p>
@@ -2889,7 +2889,7 @@
           <a:p>
             <a:fld id="{8EA6E1DD-C589-44A4-B774-5C71ED738215}" type="datetimeFigureOut">
               <a:rPr lang="zh-CN" altLang="en-US" smtClean="0"/>
-              <a:t>2023/3/9</a:t>
+              <a:t>2023/3/14</a:t>
             </a:fld>
             <a:endParaRPr lang="zh-CN" altLang="en-US"/>
           </a:p>
@@ -3139,7 +3139,7 @@
           <a:p>
             <a:fld id="{8EA6E1DD-C589-44A4-B774-5C71ED738215}" type="datetimeFigureOut">
               <a:rPr lang="zh-CN" altLang="en-US" smtClean="0"/>
-              <a:t>2023/3/9</a:t>
+              <a:t>2023/3/14</a:t>
             </a:fld>
             <a:endParaRPr lang="zh-CN" altLang="en-US"/>
           </a:p>
